--- a/Class3.1.pptx
+++ b/Class3.1.pptx
@@ -185,7 +185,7 @@
           <a:noFill/>
           <a:extLst>
             <a:ext uri="{909E8E84-426E-40dd-AFC4-6F175D3DCCD1}">
-              <a14:hiddenFill xmlns="" xmlns:a14="http://schemas.microsoft.com/office/drawing/2010/main">
+              <a14:hiddenFill xmlns:a14="http://schemas.microsoft.com/office/drawing/2010/main" xmlns="">
                 <a:solidFill>
                   <a:srgbClr val="FFFFFF"/>
                 </a:solidFill>
@@ -245,7 +245,7 @@
             </a:ln>
             <a:extLst>
               <a:ext uri="{91240B29-F687-4f45-9708-019B960494DF}">
-                <a14:hiddenLine xmlns="" xmlns:a14="http://schemas.microsoft.com/office/drawing/2010/main" w="9525">
+                <a14:hiddenLine xmlns:a14="http://schemas.microsoft.com/office/drawing/2010/main" xmlns="" w="9525">
                   <a:solidFill>
                     <a:srgbClr val="000000"/>
                   </a:solidFill>
@@ -335,7 +335,7 @@
             </a:ln>
             <a:extLst>
               <a:ext uri="{91240B29-F687-4f45-9708-019B960494DF}">
-                <a14:hiddenLine xmlns="" xmlns:a14="http://schemas.microsoft.com/office/drawing/2010/main" w="9525">
+                <a14:hiddenLine xmlns:a14="http://schemas.microsoft.com/office/drawing/2010/main" xmlns="" w="9525">
                   <a:solidFill>
                     <a:srgbClr val="000000"/>
                   </a:solidFill>
@@ -425,7 +425,7 @@
             </a:ln>
             <a:extLst>
               <a:ext uri="{91240B29-F687-4f45-9708-019B960494DF}">
-                <a14:hiddenLine xmlns="" xmlns:a14="http://schemas.microsoft.com/office/drawing/2010/main" w="9525">
+                <a14:hiddenLine xmlns:a14="http://schemas.microsoft.com/office/drawing/2010/main" xmlns="" w="9525">
                   <a:solidFill>
                     <a:srgbClr val="000000"/>
                   </a:solidFill>
@@ -459,7 +459,7 @@
             </a:ln>
             <a:extLst>
               <a:ext uri="{91240B29-F687-4f45-9708-019B960494DF}">
-                <a14:hiddenLine xmlns="" xmlns:a14="http://schemas.microsoft.com/office/drawing/2010/main" w="9525">
+                <a14:hiddenLine xmlns:a14="http://schemas.microsoft.com/office/drawing/2010/main" xmlns="" w="9525">
                   <a:solidFill>
                     <a:srgbClr val="000000"/>
                   </a:solidFill>
@@ -549,7 +549,7 @@
             </a:ln>
             <a:extLst>
               <a:ext uri="{91240B29-F687-4f45-9708-019B960494DF}">
-                <a14:hiddenLine xmlns="" xmlns:a14="http://schemas.microsoft.com/office/drawing/2010/main" w="9525">
+                <a14:hiddenLine xmlns:a14="http://schemas.microsoft.com/office/drawing/2010/main" xmlns="" w="9525">
                   <a:solidFill>
                     <a:srgbClr val="000000"/>
                   </a:solidFill>
@@ -611,7 +611,7 @@
             </a:ln>
             <a:extLst>
               <a:ext uri="{91240B29-F687-4f45-9708-019B960494DF}">
-                <a14:hiddenLine xmlns="" xmlns:a14="http://schemas.microsoft.com/office/drawing/2010/main" w="9525">
+                <a14:hiddenLine xmlns:a14="http://schemas.microsoft.com/office/drawing/2010/main" xmlns="" w="9525">
                   <a:solidFill>
                     <a:srgbClr val="000000"/>
                   </a:solidFill>
@@ -673,7 +673,7 @@
             </a:ln>
             <a:extLst>
               <a:ext uri="{91240B29-F687-4f45-9708-019B960494DF}">
-                <a14:hiddenLine xmlns="" xmlns:a14="http://schemas.microsoft.com/office/drawing/2010/main" w="9525">
+                <a14:hiddenLine xmlns:a14="http://schemas.microsoft.com/office/drawing/2010/main" xmlns="" w="9525">
                   <a:solidFill>
                     <a:srgbClr val="000000"/>
                   </a:solidFill>
@@ -763,7 +763,7 @@
             </a:ln>
             <a:extLst>
               <a:ext uri="{91240B29-F687-4f45-9708-019B960494DF}">
-                <a14:hiddenLine xmlns="" xmlns:a14="http://schemas.microsoft.com/office/drawing/2010/main" w="9525">
+                <a14:hiddenLine xmlns:a14="http://schemas.microsoft.com/office/drawing/2010/main" xmlns="" w="9525">
                   <a:solidFill>
                     <a:srgbClr val="000000"/>
                   </a:solidFill>
@@ -825,7 +825,7 @@
             </a:ln>
             <a:extLst>
               <a:ext uri="{91240B29-F687-4f45-9708-019B960494DF}">
-                <a14:hiddenLine xmlns="" xmlns:a14="http://schemas.microsoft.com/office/drawing/2010/main" w="9525">
+                <a14:hiddenLine xmlns:a14="http://schemas.microsoft.com/office/drawing/2010/main" xmlns="" w="9525">
                   <a:solidFill>
                     <a:srgbClr val="000000"/>
                   </a:solidFill>
@@ -887,7 +887,7 @@
             </a:ln>
             <a:extLst>
               <a:ext uri="{91240B29-F687-4f45-9708-019B960494DF}">
-                <a14:hiddenLine xmlns="" xmlns:a14="http://schemas.microsoft.com/office/drawing/2010/main" w="9525">
+                <a14:hiddenLine xmlns:a14="http://schemas.microsoft.com/office/drawing/2010/main" xmlns="" w="9525">
                   <a:solidFill>
                     <a:srgbClr val="000000"/>
                   </a:solidFill>
@@ -977,7 +977,7 @@
             </a:ln>
             <a:extLst>
               <a:ext uri="{91240B29-F687-4f45-9708-019B960494DF}">
-                <a14:hiddenLine xmlns="" xmlns:a14="http://schemas.microsoft.com/office/drawing/2010/main" w="9525">
+                <a14:hiddenLine xmlns:a14="http://schemas.microsoft.com/office/drawing/2010/main" xmlns="" w="9525">
                   <a:solidFill>
                     <a:srgbClr val="000000"/>
                   </a:solidFill>
@@ -1067,7 +1067,7 @@
             </a:ln>
             <a:extLst>
               <a:ext uri="{91240B29-F687-4f45-9708-019B960494DF}">
-                <a14:hiddenLine xmlns="" xmlns:a14="http://schemas.microsoft.com/office/drawing/2010/main" w="9525">
+                <a14:hiddenLine xmlns:a14="http://schemas.microsoft.com/office/drawing/2010/main" xmlns="" w="9525">
                   <a:solidFill>
                     <a:srgbClr val="000000"/>
                   </a:solidFill>
@@ -1129,7 +1129,7 @@
             </a:ln>
             <a:extLst>
               <a:ext uri="{91240B29-F687-4f45-9708-019B960494DF}">
-                <a14:hiddenLine xmlns="" xmlns:a14="http://schemas.microsoft.com/office/drawing/2010/main" w="9525">
+                <a14:hiddenLine xmlns:a14="http://schemas.microsoft.com/office/drawing/2010/main" xmlns="" w="9525">
                   <a:solidFill>
                     <a:srgbClr val="000000"/>
                   </a:solidFill>
@@ -1239,7 +1239,7 @@
             </a:ln>
             <a:extLst>
               <a:ext uri="{91240B29-F687-4f45-9708-019B960494DF}">
-                <a14:hiddenLine xmlns="" xmlns:a14="http://schemas.microsoft.com/office/drawing/2010/main" w="9525">
+                <a14:hiddenLine xmlns:a14="http://schemas.microsoft.com/office/drawing/2010/main" xmlns="" w="9525">
                   <a:solidFill>
                     <a:srgbClr val="000000"/>
                   </a:solidFill>
@@ -1301,7 +1301,7 @@
             </a:ln>
             <a:extLst>
               <a:ext uri="{91240B29-F687-4f45-9708-019B960494DF}">
-                <a14:hiddenLine xmlns="" xmlns:a14="http://schemas.microsoft.com/office/drawing/2010/main" w="9525">
+                <a14:hiddenLine xmlns:a14="http://schemas.microsoft.com/office/drawing/2010/main" xmlns="" w="9525">
                   <a:solidFill>
                     <a:srgbClr val="000000"/>
                   </a:solidFill>
@@ -1391,7 +1391,7 @@
             </a:ln>
             <a:extLst>
               <a:ext uri="{91240B29-F687-4f45-9708-019B960494DF}">
-                <a14:hiddenLine xmlns="" xmlns:a14="http://schemas.microsoft.com/office/drawing/2010/main" w="9525">
+                <a14:hiddenLine xmlns:a14="http://schemas.microsoft.com/office/drawing/2010/main" xmlns="" w="9525">
                   <a:solidFill>
                     <a:srgbClr val="000000"/>
                   </a:solidFill>
@@ -1481,7 +1481,7 @@
             </a:ln>
             <a:extLst>
               <a:ext uri="{91240B29-F687-4f45-9708-019B960494DF}">
-                <a14:hiddenLine xmlns="" xmlns:a14="http://schemas.microsoft.com/office/drawing/2010/main" w="9525">
+                <a14:hiddenLine xmlns:a14="http://schemas.microsoft.com/office/drawing/2010/main" xmlns="" w="9525">
                   <a:solidFill>
                     <a:srgbClr val="000000"/>
                   </a:solidFill>
@@ -1543,7 +1543,7 @@
             </a:ln>
             <a:extLst>
               <a:ext uri="{91240B29-F687-4f45-9708-019B960494DF}">
-                <a14:hiddenLine xmlns="" xmlns:a14="http://schemas.microsoft.com/office/drawing/2010/main" w="9525">
+                <a14:hiddenLine xmlns:a14="http://schemas.microsoft.com/office/drawing/2010/main" xmlns="" w="9525">
                   <a:solidFill>
                     <a:srgbClr val="000000"/>
                   </a:solidFill>
@@ -1633,7 +1633,7 @@
             </a:ln>
             <a:extLst>
               <a:ext uri="{91240B29-F687-4f45-9708-019B960494DF}">
-                <a14:hiddenLine xmlns="" xmlns:a14="http://schemas.microsoft.com/office/drawing/2010/main" w="9525">
+                <a14:hiddenLine xmlns:a14="http://schemas.microsoft.com/office/drawing/2010/main" xmlns="" w="9525">
                   <a:solidFill>
                     <a:srgbClr val="000000"/>
                   </a:solidFill>
@@ -1723,7 +1723,7 @@
             </a:ln>
             <a:extLst>
               <a:ext uri="{91240B29-F687-4f45-9708-019B960494DF}">
-                <a14:hiddenLine xmlns="" xmlns:a14="http://schemas.microsoft.com/office/drawing/2010/main" w="9525">
+                <a14:hiddenLine xmlns:a14="http://schemas.microsoft.com/office/drawing/2010/main" xmlns="" w="9525">
                   <a:solidFill>
                     <a:srgbClr val="000000"/>
                   </a:solidFill>
@@ -1779,7 +1779,7 @@
             </a:ln>
             <a:extLst>
               <a:ext uri="{91240B29-F687-4f45-9708-019B960494DF}">
-                <a14:hiddenLine xmlns="" xmlns:a14="http://schemas.microsoft.com/office/drawing/2010/main" w="9525">
+                <a14:hiddenLine xmlns:a14="http://schemas.microsoft.com/office/drawing/2010/main" xmlns="" w="9525">
                   <a:solidFill>
                     <a:srgbClr val="000000"/>
                   </a:solidFill>
@@ -1869,7 +1869,7 @@
             </a:ln>
             <a:extLst>
               <a:ext uri="{91240B29-F687-4f45-9708-019B960494DF}">
-                <a14:hiddenLine xmlns="" xmlns:a14="http://schemas.microsoft.com/office/drawing/2010/main" w="9525">
+                <a14:hiddenLine xmlns:a14="http://schemas.microsoft.com/office/drawing/2010/main" xmlns="" w="9525">
                   <a:solidFill>
                     <a:srgbClr val="000000"/>
                   </a:solidFill>
@@ -1925,7 +1925,7 @@
             </a:ln>
             <a:extLst>
               <a:ext uri="{91240B29-F687-4f45-9708-019B960494DF}">
-                <a14:hiddenLine xmlns="" xmlns:a14="http://schemas.microsoft.com/office/drawing/2010/main" w="9525">
+                <a14:hiddenLine xmlns:a14="http://schemas.microsoft.com/office/drawing/2010/main" xmlns="" w="9525">
                   <a:solidFill>
                     <a:srgbClr val="000000"/>
                   </a:solidFill>
@@ -2015,7 +2015,7 @@
             </a:ln>
             <a:extLst>
               <a:ext uri="{91240B29-F687-4f45-9708-019B960494DF}">
-                <a14:hiddenLine xmlns="" xmlns:a14="http://schemas.microsoft.com/office/drawing/2010/main" w="9525">
+                <a14:hiddenLine xmlns:a14="http://schemas.microsoft.com/office/drawing/2010/main" xmlns="" w="9525">
                   <a:solidFill>
                     <a:srgbClr val="000000"/>
                   </a:solidFill>
@@ -2083,7 +2083,7 @@
             </a:ln>
             <a:extLst>
               <a:ext uri="{91240B29-F687-4f45-9708-019B960494DF}">
-                <a14:hiddenLine xmlns="" xmlns:a14="http://schemas.microsoft.com/office/drawing/2010/main" w="9525">
+                <a14:hiddenLine xmlns:a14="http://schemas.microsoft.com/office/drawing/2010/main" xmlns="" w="9525">
                   <a:solidFill>
                     <a:srgbClr val="000000"/>
                   </a:solidFill>
@@ -2173,7 +2173,7 @@
             </a:ln>
             <a:extLst>
               <a:ext uri="{91240B29-F687-4f45-9708-019B960494DF}">
-                <a14:hiddenLine xmlns="" xmlns:a14="http://schemas.microsoft.com/office/drawing/2010/main" w="9525">
+                <a14:hiddenLine xmlns:a14="http://schemas.microsoft.com/office/drawing/2010/main" xmlns="" w="9525">
                   <a:solidFill>
                     <a:srgbClr val="000000"/>
                   </a:solidFill>
@@ -2241,7 +2241,7 @@
             </a:ln>
             <a:extLst>
               <a:ext uri="{91240B29-F687-4f45-9708-019B960494DF}">
-                <a14:hiddenLine xmlns="" xmlns:a14="http://schemas.microsoft.com/office/drawing/2010/main" w="9525">
+                <a14:hiddenLine xmlns:a14="http://schemas.microsoft.com/office/drawing/2010/main" xmlns="" w="9525">
                   <a:solidFill>
                     <a:srgbClr val="000000"/>
                   </a:solidFill>
@@ -2331,7 +2331,7 @@
             </a:ln>
             <a:extLst>
               <a:ext uri="{91240B29-F687-4f45-9708-019B960494DF}">
-                <a14:hiddenLine xmlns="" xmlns:a14="http://schemas.microsoft.com/office/drawing/2010/main" w="9525">
+                <a14:hiddenLine xmlns:a14="http://schemas.microsoft.com/office/drawing/2010/main" xmlns="" w="9525">
                   <a:solidFill>
                     <a:srgbClr val="000000"/>
                   </a:solidFill>
@@ -2365,7 +2365,7 @@
             </a:ln>
             <a:extLst>
               <a:ext uri="{91240B29-F687-4f45-9708-019B960494DF}">
-                <a14:hiddenLine xmlns="" xmlns:a14="http://schemas.microsoft.com/office/drawing/2010/main" w="9525">
+                <a14:hiddenLine xmlns:a14="http://schemas.microsoft.com/office/drawing/2010/main" xmlns="" w="9525">
                   <a:solidFill>
                     <a:srgbClr val="000000"/>
                   </a:solidFill>
@@ -2455,7 +2455,7 @@
             </a:ln>
             <a:extLst>
               <a:ext uri="{91240B29-F687-4f45-9708-019B960494DF}">
-                <a14:hiddenLine xmlns="" xmlns:a14="http://schemas.microsoft.com/office/drawing/2010/main" w="9525">
+                <a14:hiddenLine xmlns:a14="http://schemas.microsoft.com/office/drawing/2010/main" xmlns="" w="9525">
                   <a:solidFill>
                     <a:srgbClr val="000000"/>
                   </a:solidFill>
@@ -2517,7 +2517,7 @@
             </a:ln>
             <a:extLst>
               <a:ext uri="{91240B29-F687-4f45-9708-019B960494DF}">
-                <a14:hiddenLine xmlns="" xmlns:a14="http://schemas.microsoft.com/office/drawing/2010/main" w="9525">
+                <a14:hiddenLine xmlns:a14="http://schemas.microsoft.com/office/drawing/2010/main" xmlns="" w="9525">
                   <a:solidFill>
                     <a:srgbClr val="000000"/>
                   </a:solidFill>
@@ -2579,7 +2579,7 @@
             </a:ln>
             <a:extLst>
               <a:ext uri="{91240B29-F687-4f45-9708-019B960494DF}">
-                <a14:hiddenLine xmlns="" xmlns:a14="http://schemas.microsoft.com/office/drawing/2010/main" w="9525">
+                <a14:hiddenLine xmlns:a14="http://schemas.microsoft.com/office/drawing/2010/main" xmlns="" w="9525">
                   <a:solidFill>
                     <a:srgbClr val="000000"/>
                   </a:solidFill>
@@ -2669,7 +2669,7 @@
             </a:ln>
             <a:extLst>
               <a:ext uri="{91240B29-F687-4f45-9708-019B960494DF}">
-                <a14:hiddenLine xmlns="" xmlns:a14="http://schemas.microsoft.com/office/drawing/2010/main" w="9525">
+                <a14:hiddenLine xmlns:a14="http://schemas.microsoft.com/office/drawing/2010/main" xmlns="" w="9525">
                   <a:solidFill>
                     <a:srgbClr val="000000"/>
                   </a:solidFill>
@@ -2737,7 +2737,7 @@
             </a:ln>
             <a:extLst>
               <a:ext uri="{91240B29-F687-4f45-9708-019B960494DF}">
-                <a14:hiddenLine xmlns="" xmlns:a14="http://schemas.microsoft.com/office/drawing/2010/main" w="9525">
+                <a14:hiddenLine xmlns:a14="http://schemas.microsoft.com/office/drawing/2010/main" xmlns="" w="9525">
                   <a:solidFill>
                     <a:srgbClr val="000000"/>
                   </a:solidFill>
@@ -2799,7 +2799,7 @@
             </a:ln>
             <a:extLst>
               <a:ext uri="{91240B29-F687-4f45-9708-019B960494DF}">
-                <a14:hiddenLine xmlns="" xmlns:a14="http://schemas.microsoft.com/office/drawing/2010/main" w="9525">
+                <a14:hiddenLine xmlns:a14="http://schemas.microsoft.com/office/drawing/2010/main" xmlns="" w="9525">
                   <a:solidFill>
                     <a:srgbClr val="000000"/>
                   </a:solidFill>
@@ -2889,7 +2889,7 @@
             </a:ln>
             <a:extLst>
               <a:ext uri="{91240B29-F687-4f45-9708-019B960494DF}">
-                <a14:hiddenLine xmlns="" xmlns:a14="http://schemas.microsoft.com/office/drawing/2010/main" w="9525">
+                <a14:hiddenLine xmlns:a14="http://schemas.microsoft.com/office/drawing/2010/main" xmlns="" w="9525">
                   <a:solidFill>
                     <a:srgbClr val="000000"/>
                   </a:solidFill>
@@ -2951,7 +2951,7 @@
             </a:ln>
             <a:extLst>
               <a:ext uri="{91240B29-F687-4f45-9708-019B960494DF}">
-                <a14:hiddenLine xmlns="" xmlns:a14="http://schemas.microsoft.com/office/drawing/2010/main" w="9525">
+                <a14:hiddenLine xmlns:a14="http://schemas.microsoft.com/office/drawing/2010/main" xmlns="" w="9525">
                   <a:solidFill>
                     <a:srgbClr val="000000"/>
                   </a:solidFill>
@@ -3041,7 +3041,7 @@
             </a:ln>
             <a:extLst>
               <a:ext uri="{91240B29-F687-4f45-9708-019B960494DF}">
-                <a14:hiddenLine xmlns="" xmlns:a14="http://schemas.microsoft.com/office/drawing/2010/main" w="9525">
+                <a14:hiddenLine xmlns:a14="http://schemas.microsoft.com/office/drawing/2010/main" xmlns="" w="9525">
                   <a:solidFill>
                     <a:srgbClr val="000000"/>
                   </a:solidFill>
@@ -3103,7 +3103,7 @@
             </a:ln>
             <a:extLst>
               <a:ext uri="{91240B29-F687-4f45-9708-019B960494DF}">
-                <a14:hiddenLine xmlns="" xmlns:a14="http://schemas.microsoft.com/office/drawing/2010/main" w="9525">
+                <a14:hiddenLine xmlns:a14="http://schemas.microsoft.com/office/drawing/2010/main" xmlns="" w="9525">
                   <a:solidFill>
                     <a:srgbClr val="000000"/>
                   </a:solidFill>
@@ -3193,7 +3193,7 @@
             </a:ln>
             <a:extLst>
               <a:ext uri="{91240B29-F687-4f45-9708-019B960494DF}">
-                <a14:hiddenLine xmlns="" xmlns:a14="http://schemas.microsoft.com/office/drawing/2010/main" w="9525">
+                <a14:hiddenLine xmlns:a14="http://schemas.microsoft.com/office/drawing/2010/main" xmlns="" w="9525">
                   <a:solidFill>
                     <a:srgbClr val="000000"/>
                   </a:solidFill>
@@ -3227,7 +3227,7 @@
             </a:ln>
             <a:extLst>
               <a:ext uri="{91240B29-F687-4f45-9708-019B960494DF}">
-                <a14:hiddenLine xmlns="" xmlns:a14="http://schemas.microsoft.com/office/drawing/2010/main" w="9525">
+                <a14:hiddenLine xmlns:a14="http://schemas.microsoft.com/office/drawing/2010/main" xmlns="" w="9525">
                   <a:solidFill>
                     <a:srgbClr val="000000"/>
                   </a:solidFill>
@@ -3292,7 +3292,7 @@
             </a:ln>
             <a:extLst>
               <a:ext uri="{91240B29-F687-4f45-9708-019B960494DF}">
-                <a14:hiddenLine xmlns="" xmlns:a14="http://schemas.microsoft.com/office/drawing/2010/main" w="9525">
+                <a14:hiddenLine xmlns:a14="http://schemas.microsoft.com/office/drawing/2010/main" xmlns="" w="9525">
                   <a:solidFill>
                     <a:srgbClr val="000000"/>
                   </a:solidFill>
@@ -3382,7 +3382,7 @@
             </a:ln>
             <a:extLst>
               <a:ext uri="{91240B29-F687-4f45-9708-019B960494DF}">
-                <a14:hiddenLine xmlns="" xmlns:a14="http://schemas.microsoft.com/office/drawing/2010/main" w="9525">
+                <a14:hiddenLine xmlns:a14="http://schemas.microsoft.com/office/drawing/2010/main" xmlns="" w="9525">
                   <a:solidFill>
                     <a:srgbClr val="000000"/>
                   </a:solidFill>
@@ -3444,7 +3444,7 @@
             </a:ln>
             <a:extLst>
               <a:ext uri="{91240B29-F687-4f45-9708-019B960494DF}">
-                <a14:hiddenLine xmlns="" xmlns:a14="http://schemas.microsoft.com/office/drawing/2010/main" w="9525">
+                <a14:hiddenLine xmlns:a14="http://schemas.microsoft.com/office/drawing/2010/main" xmlns="" w="9525">
                   <a:solidFill>
                     <a:srgbClr val="000000"/>
                   </a:solidFill>
@@ -3534,7 +3534,7 @@
             </a:ln>
             <a:extLst>
               <a:ext uri="{91240B29-F687-4f45-9708-019B960494DF}">
-                <a14:hiddenLine xmlns="" xmlns:a14="http://schemas.microsoft.com/office/drawing/2010/main" w="9525">
+                <a14:hiddenLine xmlns:a14="http://schemas.microsoft.com/office/drawing/2010/main" xmlns="" w="9525">
                   <a:solidFill>
                     <a:srgbClr val="000000"/>
                   </a:solidFill>
@@ -3624,7 +3624,7 @@
             </a:ln>
             <a:extLst>
               <a:ext uri="{91240B29-F687-4f45-9708-019B960494DF}">
-                <a14:hiddenLine xmlns="" xmlns:a14="http://schemas.microsoft.com/office/drawing/2010/main" w="9525">
+                <a14:hiddenLine xmlns:a14="http://schemas.microsoft.com/office/drawing/2010/main" xmlns="" w="9525">
                   <a:solidFill>
                     <a:srgbClr val="000000"/>
                   </a:solidFill>
@@ -3689,7 +3689,7 @@
             </a:ln>
             <a:extLst>
               <a:ext uri="{91240B29-F687-4f45-9708-019B960494DF}">
-                <a14:hiddenLine xmlns="" xmlns:a14="http://schemas.microsoft.com/office/drawing/2010/main" w="9525">
+                <a14:hiddenLine xmlns:a14="http://schemas.microsoft.com/office/drawing/2010/main" xmlns="" w="9525">
                   <a:solidFill>
                     <a:srgbClr val="000000"/>
                   </a:solidFill>
@@ -3751,7 +3751,7 @@
             </a:ln>
             <a:extLst>
               <a:ext uri="{91240B29-F687-4f45-9708-019B960494DF}">
-                <a14:hiddenLine xmlns="" xmlns:a14="http://schemas.microsoft.com/office/drawing/2010/main" w="9525">
+                <a14:hiddenLine xmlns:a14="http://schemas.microsoft.com/office/drawing/2010/main" xmlns="" w="9525">
                   <a:solidFill>
                     <a:srgbClr val="000000"/>
                   </a:solidFill>
@@ -3841,7 +3841,7 @@
             </a:ln>
             <a:extLst>
               <a:ext uri="{91240B29-F687-4f45-9708-019B960494DF}">
-                <a14:hiddenLine xmlns="" xmlns:a14="http://schemas.microsoft.com/office/drawing/2010/main" w="9525">
+                <a14:hiddenLine xmlns:a14="http://schemas.microsoft.com/office/drawing/2010/main" xmlns="" w="9525">
                   <a:solidFill>
                     <a:srgbClr val="000000"/>
                   </a:solidFill>
@@ -3931,7 +3931,7 @@
             </a:ln>
             <a:extLst>
               <a:ext uri="{91240B29-F687-4f45-9708-019B960494DF}">
-                <a14:hiddenLine xmlns="" xmlns:a14="http://schemas.microsoft.com/office/drawing/2010/main" w="9525">
+                <a14:hiddenLine xmlns:a14="http://schemas.microsoft.com/office/drawing/2010/main" xmlns="" w="9525">
                   <a:solidFill>
                     <a:srgbClr val="000000"/>
                   </a:solidFill>
@@ -3993,7 +3993,7 @@
             </a:ln>
             <a:extLst>
               <a:ext uri="{91240B29-F687-4f45-9708-019B960494DF}">
-                <a14:hiddenLine xmlns="" xmlns:a14="http://schemas.microsoft.com/office/drawing/2010/main" w="9525">
+                <a14:hiddenLine xmlns:a14="http://schemas.microsoft.com/office/drawing/2010/main" xmlns="" w="9525">
                   <a:solidFill>
                     <a:srgbClr val="000000"/>
                   </a:solidFill>
@@ -4113,7 +4113,7 @@
             </a:ln>
             <a:extLst>
               <a:ext uri="{91240B29-F687-4f45-9708-019B960494DF}">
-                <a14:hiddenLine xmlns="" xmlns:a14="http://schemas.microsoft.com/office/drawing/2010/main" w="9525">
+                <a14:hiddenLine xmlns:a14="http://schemas.microsoft.com/office/drawing/2010/main" xmlns="" w="9525">
                   <a:solidFill>
                     <a:srgbClr val="000000"/>
                   </a:solidFill>
@@ -4181,7 +4181,7 @@
             </a:ln>
             <a:extLst>
               <a:ext uri="{91240B29-F687-4f45-9708-019B960494DF}">
-                <a14:hiddenLine xmlns="" xmlns:a14="http://schemas.microsoft.com/office/drawing/2010/main" w="9525">
+                <a14:hiddenLine xmlns:a14="http://schemas.microsoft.com/office/drawing/2010/main" xmlns="" w="9525">
                   <a:solidFill>
                     <a:srgbClr val="000000"/>
                   </a:solidFill>
@@ -4271,7 +4271,7 @@
             </a:ln>
             <a:extLst>
               <a:ext uri="{91240B29-F687-4f45-9708-019B960494DF}">
-                <a14:hiddenLine xmlns="" xmlns:a14="http://schemas.microsoft.com/office/drawing/2010/main" w="9525">
+                <a14:hiddenLine xmlns:a14="http://schemas.microsoft.com/office/drawing/2010/main" xmlns="" w="9525">
                   <a:solidFill>
                     <a:srgbClr val="000000"/>
                   </a:solidFill>
@@ -8993,7 +8993,7 @@
           <a:noFill/>
           <a:extLst>
             <a:ext uri="{909E8E84-426E-40dd-AFC4-6F175D3DCCD1}">
-              <a14:hiddenFill xmlns="" xmlns:a14="http://schemas.microsoft.com/office/drawing/2010/main">
+              <a14:hiddenFill xmlns:a14="http://schemas.microsoft.com/office/drawing/2010/main" xmlns="">
                 <a:solidFill>
                   <a:srgbClr val="FFFFFF"/>
                 </a:solidFill>
@@ -9067,7 +9067,7 @@
               </a:ln>
               <a:extLst>
                 <a:ext uri="{91240B29-F687-4f45-9708-019B960494DF}">
-                  <a14:hiddenLine xmlns="" xmlns:a14="http://schemas.microsoft.com/office/drawing/2010/main" w="9525">
+                  <a14:hiddenLine xmlns:a14="http://schemas.microsoft.com/office/drawing/2010/main" xmlns="" w="9525">
                     <a:solidFill>
                       <a:srgbClr val="000000"/>
                     </a:solidFill>
@@ -9157,7 +9157,7 @@
               </a:ln>
               <a:extLst>
                 <a:ext uri="{91240B29-F687-4f45-9708-019B960494DF}">
-                  <a14:hiddenLine xmlns="" xmlns:a14="http://schemas.microsoft.com/office/drawing/2010/main" w="9525">
+                  <a14:hiddenLine xmlns:a14="http://schemas.microsoft.com/office/drawing/2010/main" xmlns="" w="9525">
                     <a:solidFill>
                       <a:srgbClr val="000000"/>
                     </a:solidFill>
@@ -9247,7 +9247,7 @@
               </a:ln>
               <a:extLst>
                 <a:ext uri="{91240B29-F687-4f45-9708-019B960494DF}">
-                  <a14:hiddenLine xmlns="" xmlns:a14="http://schemas.microsoft.com/office/drawing/2010/main" w="9525">
+                  <a14:hiddenLine xmlns:a14="http://schemas.microsoft.com/office/drawing/2010/main" xmlns="" w="9525">
                     <a:solidFill>
                       <a:srgbClr val="000000"/>
                     </a:solidFill>
@@ -9309,7 +9309,7 @@
               </a:ln>
               <a:extLst>
                 <a:ext uri="{91240B29-F687-4f45-9708-019B960494DF}">
-                  <a14:hiddenLine xmlns="" xmlns:a14="http://schemas.microsoft.com/office/drawing/2010/main" w="9525">
+                  <a14:hiddenLine xmlns:a14="http://schemas.microsoft.com/office/drawing/2010/main" xmlns="" w="9525">
                     <a:solidFill>
                       <a:srgbClr val="000000"/>
                     </a:solidFill>
@@ -9399,7 +9399,7 @@
               </a:ln>
               <a:extLst>
                 <a:ext uri="{91240B29-F687-4f45-9708-019B960494DF}">
-                  <a14:hiddenLine xmlns="" xmlns:a14="http://schemas.microsoft.com/office/drawing/2010/main" w="9525">
+                  <a14:hiddenLine xmlns:a14="http://schemas.microsoft.com/office/drawing/2010/main" xmlns="" w="9525">
                     <a:solidFill>
                       <a:srgbClr val="000000"/>
                     </a:solidFill>
@@ -9461,7 +9461,7 @@
               </a:ln>
               <a:extLst>
                 <a:ext uri="{91240B29-F687-4f45-9708-019B960494DF}">
-                  <a14:hiddenLine xmlns="" xmlns:a14="http://schemas.microsoft.com/office/drawing/2010/main" w="9525">
+                  <a14:hiddenLine xmlns:a14="http://schemas.microsoft.com/office/drawing/2010/main" xmlns="" w="9525">
                     <a:solidFill>
                       <a:srgbClr val="000000"/>
                     </a:solidFill>
@@ -9523,7 +9523,7 @@
               </a:ln>
               <a:extLst>
                 <a:ext uri="{91240B29-F687-4f45-9708-019B960494DF}">
-                  <a14:hiddenLine xmlns="" xmlns:a14="http://schemas.microsoft.com/office/drawing/2010/main" w="9525">
+                  <a14:hiddenLine xmlns:a14="http://schemas.microsoft.com/office/drawing/2010/main" xmlns="" w="9525">
                     <a:solidFill>
                       <a:srgbClr val="000000"/>
                     </a:solidFill>
@@ -9613,7 +9613,7 @@
               </a:ln>
               <a:extLst>
                 <a:ext uri="{91240B29-F687-4f45-9708-019B960494DF}">
-                  <a14:hiddenLine xmlns="" xmlns:a14="http://schemas.microsoft.com/office/drawing/2010/main" w="9525">
+                  <a14:hiddenLine xmlns:a14="http://schemas.microsoft.com/office/drawing/2010/main" xmlns="" w="9525">
                     <a:solidFill>
                       <a:srgbClr val="000000"/>
                     </a:solidFill>
@@ -9703,7 +9703,7 @@
               </a:ln>
               <a:extLst>
                 <a:ext uri="{91240B29-F687-4f45-9708-019B960494DF}">
-                  <a14:hiddenLine xmlns="" xmlns:a14="http://schemas.microsoft.com/office/drawing/2010/main" w="9525">
+                  <a14:hiddenLine xmlns:a14="http://schemas.microsoft.com/office/drawing/2010/main" xmlns="" w="9525">
                     <a:solidFill>
                       <a:srgbClr val="000000"/>
                     </a:solidFill>
@@ -9765,7 +9765,7 @@
               </a:ln>
               <a:extLst>
                 <a:ext uri="{91240B29-F687-4f45-9708-019B960494DF}">
-                  <a14:hiddenLine xmlns="" xmlns:a14="http://schemas.microsoft.com/office/drawing/2010/main" w="9525">
+                  <a14:hiddenLine xmlns:a14="http://schemas.microsoft.com/office/drawing/2010/main" xmlns="" w="9525">
                     <a:solidFill>
                       <a:srgbClr val="000000"/>
                     </a:solidFill>
@@ -9875,7 +9875,7 @@
               </a:ln>
               <a:extLst>
                 <a:ext uri="{91240B29-F687-4f45-9708-019B960494DF}">
-                  <a14:hiddenLine xmlns="" xmlns:a14="http://schemas.microsoft.com/office/drawing/2010/main" w="9525">
+                  <a14:hiddenLine xmlns:a14="http://schemas.microsoft.com/office/drawing/2010/main" xmlns="" w="9525">
                     <a:solidFill>
                       <a:srgbClr val="000000"/>
                     </a:solidFill>
@@ -9959,7 +9959,7 @@
               </a:ln>
               <a:extLst>
                 <a:ext uri="{91240B29-F687-4f45-9708-019B960494DF}">
-                  <a14:hiddenLine xmlns="" xmlns:a14="http://schemas.microsoft.com/office/drawing/2010/main" w="9525">
+                  <a14:hiddenLine xmlns:a14="http://schemas.microsoft.com/office/drawing/2010/main" xmlns="" w="9525">
                     <a:solidFill>
                       <a:srgbClr val="000000"/>
                     </a:solidFill>
@@ -10021,7 +10021,7 @@
               </a:ln>
               <a:extLst>
                 <a:ext uri="{91240B29-F687-4f45-9708-019B960494DF}">
-                  <a14:hiddenLine xmlns="" xmlns:a14="http://schemas.microsoft.com/office/drawing/2010/main" w="9525">
+                  <a14:hiddenLine xmlns:a14="http://schemas.microsoft.com/office/drawing/2010/main" xmlns="" w="9525">
                     <a:solidFill>
                       <a:srgbClr val="000000"/>
                     </a:solidFill>
@@ -10083,7 +10083,7 @@
               </a:ln>
               <a:extLst>
                 <a:ext uri="{91240B29-F687-4f45-9708-019B960494DF}">
-                  <a14:hiddenLine xmlns="" xmlns:a14="http://schemas.microsoft.com/office/drawing/2010/main" w="9525">
+                  <a14:hiddenLine xmlns:a14="http://schemas.microsoft.com/office/drawing/2010/main" xmlns="" w="9525">
                     <a:solidFill>
                       <a:srgbClr val="000000"/>
                     </a:solidFill>
@@ -10173,7 +10173,7 @@
               </a:ln>
               <a:extLst>
                 <a:ext uri="{91240B29-F687-4f45-9708-019B960494DF}">
-                  <a14:hiddenLine xmlns="" xmlns:a14="http://schemas.microsoft.com/office/drawing/2010/main" w="9525">
+                  <a14:hiddenLine xmlns:a14="http://schemas.microsoft.com/office/drawing/2010/main" xmlns="" w="9525">
                     <a:solidFill>
                       <a:srgbClr val="000000"/>
                     </a:solidFill>
@@ -10207,7 +10207,7 @@
               </a:ln>
               <a:extLst>
                 <a:ext uri="{91240B29-F687-4f45-9708-019B960494DF}">
-                  <a14:hiddenLine xmlns="" xmlns:a14="http://schemas.microsoft.com/office/drawing/2010/main" w="9525">
+                  <a14:hiddenLine xmlns:a14="http://schemas.microsoft.com/office/drawing/2010/main" xmlns="" w="9525">
                     <a:solidFill>
                       <a:srgbClr val="000000"/>
                     </a:solidFill>
@@ -10272,7 +10272,7 @@
               </a:ln>
               <a:extLst>
                 <a:ext uri="{91240B29-F687-4f45-9708-019B960494DF}">
-                  <a14:hiddenLine xmlns="" xmlns:a14="http://schemas.microsoft.com/office/drawing/2010/main" w="9525">
+                  <a14:hiddenLine xmlns:a14="http://schemas.microsoft.com/office/drawing/2010/main" xmlns="" w="9525">
                     <a:solidFill>
                       <a:srgbClr val="000000"/>
                     </a:solidFill>
@@ -10362,7 +10362,7 @@
               </a:ln>
               <a:extLst>
                 <a:ext uri="{91240B29-F687-4f45-9708-019B960494DF}">
-                  <a14:hiddenLine xmlns="" xmlns:a14="http://schemas.microsoft.com/office/drawing/2010/main" w="9525">
+                  <a14:hiddenLine xmlns:a14="http://schemas.microsoft.com/office/drawing/2010/main" xmlns="" w="9525">
                     <a:solidFill>
                       <a:srgbClr val="000000"/>
                     </a:solidFill>
@@ -10424,7 +10424,7 @@
               </a:ln>
               <a:extLst>
                 <a:ext uri="{91240B29-F687-4f45-9708-019B960494DF}">
-                  <a14:hiddenLine xmlns="" xmlns:a14="http://schemas.microsoft.com/office/drawing/2010/main" w="9525">
+                  <a14:hiddenLine xmlns:a14="http://schemas.microsoft.com/office/drawing/2010/main" xmlns="" w="9525">
                     <a:solidFill>
                       <a:srgbClr val="000000"/>
                     </a:solidFill>
@@ -10514,7 +10514,7 @@
               </a:ln>
               <a:extLst>
                 <a:ext uri="{91240B29-F687-4f45-9708-019B960494DF}">
-                  <a14:hiddenLine xmlns="" xmlns:a14="http://schemas.microsoft.com/office/drawing/2010/main" w="9525">
+                  <a14:hiddenLine xmlns:a14="http://schemas.microsoft.com/office/drawing/2010/main" xmlns="" w="9525">
                     <a:solidFill>
                       <a:srgbClr val="000000"/>
                     </a:solidFill>
@@ -10579,7 +10579,7 @@
               </a:ln>
               <a:extLst>
                 <a:ext uri="{91240B29-F687-4f45-9708-019B960494DF}">
-                  <a14:hiddenLine xmlns="" xmlns:a14="http://schemas.microsoft.com/office/drawing/2010/main" w="9525">
+                  <a14:hiddenLine xmlns:a14="http://schemas.microsoft.com/office/drawing/2010/main" xmlns="" w="9525">
                     <a:solidFill>
                       <a:srgbClr val="000000"/>
                     </a:solidFill>
@@ -10641,7 +10641,7 @@
               </a:ln>
               <a:extLst>
                 <a:ext uri="{91240B29-F687-4f45-9708-019B960494DF}">
-                  <a14:hiddenLine xmlns="" xmlns:a14="http://schemas.microsoft.com/office/drawing/2010/main" w="9525">
+                  <a14:hiddenLine xmlns:a14="http://schemas.microsoft.com/office/drawing/2010/main" xmlns="" w="9525">
                     <a:solidFill>
                       <a:srgbClr val="000000"/>
                     </a:solidFill>
@@ -10731,7 +10731,7 @@
               </a:ln>
               <a:extLst>
                 <a:ext uri="{91240B29-F687-4f45-9708-019B960494DF}">
-                  <a14:hiddenLine xmlns="" xmlns:a14="http://schemas.microsoft.com/office/drawing/2010/main" w="9525">
+                  <a14:hiddenLine xmlns:a14="http://schemas.microsoft.com/office/drawing/2010/main" xmlns="" w="9525">
                     <a:solidFill>
                       <a:srgbClr val="000000"/>
                     </a:solidFill>
@@ -10821,7 +10821,7 @@
               </a:ln>
               <a:extLst>
                 <a:ext uri="{91240B29-F687-4f45-9708-019B960494DF}">
-                  <a14:hiddenLine xmlns="" xmlns:a14="http://schemas.microsoft.com/office/drawing/2010/main" w="9525">
+                  <a14:hiddenLine xmlns:a14="http://schemas.microsoft.com/office/drawing/2010/main" xmlns="" w="9525">
                     <a:solidFill>
                       <a:srgbClr val="000000"/>
                     </a:solidFill>
@@ -10886,7 +10886,7 @@
               </a:ln>
               <a:extLst>
                 <a:ext uri="{91240B29-F687-4f45-9708-019B960494DF}">
-                  <a14:hiddenLine xmlns="" xmlns:a14="http://schemas.microsoft.com/office/drawing/2010/main" w="9525">
+                  <a14:hiddenLine xmlns:a14="http://schemas.microsoft.com/office/drawing/2010/main" xmlns="" w="9525">
                     <a:solidFill>
                       <a:srgbClr val="000000"/>
                     </a:solidFill>
@@ -11006,7 +11006,7 @@
               </a:ln>
               <a:extLst>
                 <a:ext uri="{91240B29-F687-4f45-9708-019B960494DF}">
-                  <a14:hiddenLine xmlns="" xmlns:a14="http://schemas.microsoft.com/office/drawing/2010/main" w="9525">
+                  <a14:hiddenLine xmlns:a14="http://schemas.microsoft.com/office/drawing/2010/main" xmlns="" w="9525">
                     <a:solidFill>
                       <a:srgbClr val="000000"/>
                     </a:solidFill>
@@ -11104,7 +11104,7 @@
               </a:ln>
               <a:extLst>
                 <a:ext uri="{91240B29-F687-4f45-9708-019B960494DF}">
-                  <a14:hiddenLine xmlns="" xmlns:a14="http://schemas.microsoft.com/office/drawing/2010/main" w="9525">
+                  <a14:hiddenLine xmlns:a14="http://schemas.microsoft.com/office/drawing/2010/main" xmlns="" w="9525">
                     <a:solidFill>
                       <a:srgbClr val="000000"/>
                     </a:solidFill>
@@ -11219,7 +11219,7 @@
               </a:ln>
               <a:extLst>
                 <a:ext uri="{91240B29-F687-4f45-9708-019B960494DF}">
-                  <a14:hiddenLine xmlns="" xmlns:a14="http://schemas.microsoft.com/office/drawing/2010/main" w="9525">
+                  <a14:hiddenLine xmlns:a14="http://schemas.microsoft.com/office/drawing/2010/main" xmlns="" w="9525">
                     <a:solidFill>
                       <a:srgbClr val="000000"/>
                     </a:solidFill>
@@ -11309,7 +11309,7 @@
               </a:ln>
               <a:extLst>
                 <a:ext uri="{91240B29-F687-4f45-9708-019B960494DF}">
-                  <a14:hiddenLine xmlns="" xmlns:a14="http://schemas.microsoft.com/office/drawing/2010/main" w="9525">
+                  <a14:hiddenLine xmlns:a14="http://schemas.microsoft.com/office/drawing/2010/main" xmlns="" w="9525">
                     <a:solidFill>
                       <a:srgbClr val="000000"/>
                     </a:solidFill>
@@ -11374,7 +11374,7 @@
               </a:ln>
               <a:extLst>
                 <a:ext uri="{91240B29-F687-4f45-9708-019B960494DF}">
-                  <a14:hiddenLine xmlns="" xmlns:a14="http://schemas.microsoft.com/office/drawing/2010/main" w="9525">
+                  <a14:hiddenLine xmlns:a14="http://schemas.microsoft.com/office/drawing/2010/main" xmlns="" w="9525">
                     <a:solidFill>
                       <a:srgbClr val="000000"/>
                     </a:solidFill>
@@ -11464,7 +11464,7 @@
               </a:ln>
               <a:extLst>
                 <a:ext uri="{91240B29-F687-4f45-9708-019B960494DF}">
-                  <a14:hiddenLine xmlns="" xmlns:a14="http://schemas.microsoft.com/office/drawing/2010/main" w="9525">
+                  <a14:hiddenLine xmlns:a14="http://schemas.microsoft.com/office/drawing/2010/main" xmlns="" w="9525">
                     <a:solidFill>
                       <a:srgbClr val="000000"/>
                     </a:solidFill>
@@ -11532,7 +11532,7 @@
               </a:ln>
               <a:extLst>
                 <a:ext uri="{91240B29-F687-4f45-9708-019B960494DF}">
-                  <a14:hiddenLine xmlns="" xmlns:a14="http://schemas.microsoft.com/office/drawing/2010/main" w="9525">
+                  <a14:hiddenLine xmlns:a14="http://schemas.microsoft.com/office/drawing/2010/main" xmlns="" w="9525">
                     <a:solidFill>
                       <a:srgbClr val="000000"/>
                     </a:solidFill>
@@ -11622,7 +11622,7 @@
               </a:ln>
               <a:extLst>
                 <a:ext uri="{91240B29-F687-4f45-9708-019B960494DF}">
-                  <a14:hiddenLine xmlns="" xmlns:a14="http://schemas.microsoft.com/office/drawing/2010/main" w="9525">
+                  <a14:hiddenLine xmlns:a14="http://schemas.microsoft.com/office/drawing/2010/main" xmlns="" w="9525">
                     <a:solidFill>
                       <a:srgbClr val="000000"/>
                     </a:solidFill>
@@ -11690,7 +11690,7 @@
               </a:ln>
               <a:extLst>
                 <a:ext uri="{91240B29-F687-4f45-9708-019B960494DF}">
-                  <a14:hiddenLine xmlns="" xmlns:a14="http://schemas.microsoft.com/office/drawing/2010/main" w="9525">
+                  <a14:hiddenLine xmlns:a14="http://schemas.microsoft.com/office/drawing/2010/main" xmlns="" w="9525">
                     <a:solidFill>
                       <a:srgbClr val="000000"/>
                     </a:solidFill>
@@ -11780,7 +11780,7 @@
               </a:ln>
               <a:extLst>
                 <a:ext uri="{91240B29-F687-4f45-9708-019B960494DF}">
-                  <a14:hiddenLine xmlns="" xmlns:a14="http://schemas.microsoft.com/office/drawing/2010/main" w="9525">
+                  <a14:hiddenLine xmlns:a14="http://schemas.microsoft.com/office/drawing/2010/main" xmlns="" w="9525">
                     <a:solidFill>
                       <a:srgbClr val="000000"/>
                     </a:solidFill>
@@ -11814,7 +11814,7 @@
               </a:ln>
               <a:extLst>
                 <a:ext uri="{91240B29-F687-4f45-9708-019B960494DF}">
-                  <a14:hiddenLine xmlns="" xmlns:a14="http://schemas.microsoft.com/office/drawing/2010/main" w="9525">
+                  <a14:hiddenLine xmlns:a14="http://schemas.microsoft.com/office/drawing/2010/main" xmlns="" w="9525">
                     <a:solidFill>
                       <a:srgbClr val="000000"/>
                     </a:solidFill>
@@ -12524,15 +12524,7 @@
           <a:p>
             <a:r>
               <a:rPr lang="en-US" dirty="0"/>
-              <a:t>Type safety for the win! If you haven’t heard me complain about type-safe languages or </a:t>
-            </a:r>
-            <a:r>
-              <a:rPr lang="en-US" dirty="0" err="1"/>
-              <a:t>lackthereof</a:t>
-            </a:r>
-            <a:r>
-              <a:rPr lang="en-US" dirty="0"/>
-              <a:t>, you will now </a:t>
+              <a:t>Type safety for the win! If you haven’t heard me complain about type-safe languages or lack thereof, you will now </a:t>
             </a:r>
             <a:r>
               <a:rPr lang="en-US" dirty="0">
@@ -12707,7 +12699,15 @@
             <a:pPr lvl="1"/>
             <a:r>
               <a:rPr lang="en-US" dirty="0"/>
-              <a:t>name = 5     // Fail, this will give you a compile error, can’t go from String to </a:t>
+              <a:t>name </a:t>
+            </a:r>
+            <a:r>
+              <a:rPr lang="en-US"/>
+              <a:t>= 5;   </a:t>
+            </a:r>
+            <a:r>
+              <a:rPr lang="en-US" dirty="0"/>
+              <a:t>// Fail, this will give you a compile error, can’t go from String to </a:t>
             </a:r>
             <a:r>
               <a:rPr lang="en-US" dirty="0" err="1"/>
@@ -15155,7 +15155,7 @@
           <a:p>
             <a:r>
               <a:rPr lang="en-US" dirty="0"/>
-              <a:t>Line 2: public static void main(String </a:t>
+              <a:t>Line 2: public static void main(String[] </a:t>
             </a:r>
             <a:r>
               <a:rPr lang="en-US" dirty="0" err="1"/>
@@ -15163,7 +15163,7 @@
             </a:r>
             <a:r>
               <a:rPr lang="en-US" dirty="0"/>
-              <a:t>[])</a:t>
+              <a:t>)</a:t>
             </a:r>
           </a:p>
           <a:p>
@@ -15223,7 +15223,7 @@
           <a:p>
             <a:r>
               <a:rPr lang="en-US" b="1" dirty="0"/>
-              <a:t>(String </a:t>
+              <a:t>(String[] </a:t>
             </a:r>
             <a:r>
               <a:rPr lang="en-US" b="1" dirty="0" err="1"/>
@@ -15231,7 +15231,7 @@
             </a:r>
             <a:r>
               <a:rPr lang="en-US" b="1" dirty="0"/>
-              <a:t>[])</a:t>
+              <a:t>)</a:t>
             </a:r>
             <a:r>
               <a:rPr lang="en-US" dirty="0"/>
